--- a/installationGuide.pptx
+++ b/installationGuide.pptx
@@ -232,7 +232,7 @@
             <a:fld id="{D9BF3176-BDCC-49EA-B30D-5437BB8C7604}" type="datetimeFigureOut">
               <a:rPr lang="en-US" smtClean="0"/>
               <a:pPr/>
-              <a:t>1/4/2023</a:t>
+              <a:t>1/9/2024</a:t>
             </a:fld>
             <a:endParaRPr lang="en-US"/>
           </a:p>
@@ -399,7 +399,7 @@
             <a:fld id="{DCAB7907-3328-40C6-81DC-094447F4187C}" type="datetimeFigureOut">
               <a:rPr lang="en-US" smtClean="0"/>
               <a:pPr/>
-              <a:t>1/4/2023</a:t>
+              <a:t>1/9/2024</a:t>
             </a:fld>
             <a:endParaRPr lang="en-US"/>
           </a:p>
@@ -1437,36 +1437,6 @@
           </a:p>
         </p:txBody>
       </p:sp>
-      <p:pic>
-        <p:nvPicPr>
-          <p:cNvPr id="5" name="Picture 4">
-            <a:extLst>
-              <a:ext uri="{FF2B5EF4-FFF2-40B4-BE49-F238E27FC236}">
-                <a16:creationId xmlns:a16="http://schemas.microsoft.com/office/drawing/2014/main" id="{2C31135F-FDC3-46A1-A52E-93E39F0EC6D9}"/>
-              </a:ext>
-            </a:extLst>
-          </p:cNvPr>
-          <p:cNvPicPr>
-            <a:picLocks noChangeAspect="1"/>
-          </p:cNvPicPr>
-          <p:nvPr userDrawn="1"/>
-        </p:nvPicPr>
-        <p:blipFill>
-          <a:blip r:embed="rId2"/>
-          <a:stretch>
-            <a:fillRect/>
-          </a:stretch>
-        </p:blipFill>
-        <p:spPr>
-          <a:xfrm>
-            <a:off x="455023" y="493957"/>
-            <a:ext cx="8207828" cy="877644"/>
-          </a:xfrm>
-          <a:prstGeom prst="rect">
-            <a:avLst/>
-          </a:prstGeom>
-        </p:spPr>
-      </p:pic>
     </p:spTree>
   </p:cSld>
   <p:clrMapOvr>
@@ -2393,10 +2363,10 @@
       </p:sp>
       <p:pic>
         <p:nvPicPr>
-          <p:cNvPr id="6" name="Picture 5">
+          <p:cNvPr id="4" name="Picture 3">
             <a:extLst>
               <a:ext uri="{FF2B5EF4-FFF2-40B4-BE49-F238E27FC236}">
-                <a16:creationId xmlns:a16="http://schemas.microsoft.com/office/drawing/2014/main" id="{394EF75B-DA97-4E72-8342-10BE88B44E11}"/>
+                <a16:creationId xmlns:a16="http://schemas.microsoft.com/office/drawing/2014/main" id="{D7B3E589-A702-1187-5228-E05D0415BFED}"/>
               </a:ext>
             </a:extLst>
           </p:cNvPr>
@@ -2413,8 +2383,8 @@
         </p:blipFill>
         <p:spPr>
           <a:xfrm>
-            <a:off x="0" y="5943600"/>
-            <a:ext cx="6553200" cy="874512"/>
+            <a:off x="124691" y="84214"/>
+            <a:ext cx="8998527" cy="891452"/>
           </a:xfrm>
           <a:prstGeom prst="rect">
             <a:avLst/>
@@ -2877,7 +2847,11 @@
           <a:lstStyle/>
           <a:p>
             <a:r>
-              <a:rPr lang="en-US" dirty="0"/>
+              <a:rPr lang="en-US" dirty="0">
+                <a:solidFill>
+                  <a:srgbClr val="FF0000"/>
+                </a:solidFill>
+              </a:rPr>
               <a:t>Installation steps</a:t>
             </a:r>
           </a:p>
@@ -3070,7 +3044,11 @@
           <a:lstStyle/>
           <a:p>
             <a:r>
-              <a:rPr lang="en-US" dirty="0"/>
+              <a:rPr lang="en-US" dirty="0">
+                <a:solidFill>
+                  <a:srgbClr val="FF0000"/>
+                </a:solidFill>
+              </a:rPr>
               <a:t>Installation steps</a:t>
             </a:r>
           </a:p>
@@ -3215,7 +3193,11 @@
           <a:lstStyle/>
           <a:p>
             <a:r>
-              <a:rPr lang="en-US" dirty="0"/>
+              <a:rPr lang="en-US" dirty="0">
+                <a:solidFill>
+                  <a:srgbClr val="FF0000"/>
+                </a:solidFill>
+              </a:rPr>
               <a:t>Installation steps</a:t>
             </a:r>
           </a:p>
@@ -3349,7 +3331,11 @@
           <a:lstStyle/>
           <a:p>
             <a:r>
-              <a:rPr lang="en-US" dirty="0"/>
+              <a:rPr lang="en-US" dirty="0">
+                <a:solidFill>
+                  <a:srgbClr val="FF0000"/>
+                </a:solidFill>
+              </a:rPr>
               <a:t>Installation steps</a:t>
             </a:r>
           </a:p>
@@ -3540,7 +3526,11 @@
           <a:lstStyle/>
           <a:p>
             <a:r>
-              <a:rPr lang="en-US" dirty="0"/>
+              <a:rPr lang="en-US" dirty="0">
+                <a:solidFill>
+                  <a:srgbClr val="FF0000"/>
+                </a:solidFill>
+              </a:rPr>
               <a:t>Installation steps</a:t>
             </a:r>
           </a:p>
